--- a/images/images.pptx
+++ b/images/images.pptx
@@ -6,6 +6,8 @@
   </p:sldMasterIdLst>
   <p:sldIdLst>
     <p:sldId id="256" r:id="rId2"/>
+    <p:sldId id="258" r:id="rId3"/>
+    <p:sldId id="257" r:id="rId4"/>
   </p:sldIdLst>
   <p:sldSz cx="12192000" cy="6858000"/>
   <p:notesSz cx="6858000" cy="9144000"/>
@@ -104,13 +106,18 @@
       </a:defRPr>
     </a:lvl9pPr>
   </p:defaultTextStyle>
+  <p:extLst>
+    <p:ext uri="{EFAFB233-063F-42B5-8137-9DF3F51BA10A}">
+      <p15:sldGuideLst xmlns:p15="http://schemas.microsoft.com/office/powerpoint/2012/main"/>
+    </p:ext>
+  </p:extLst>
 </p:presentation>
 </file>
 
 <file path=ppt/revisionInfo.xml><?xml version="1.0" encoding="utf-8"?>
 <p1510:revInfo xmlns:a="http://schemas.openxmlformats.org/drawingml/2006/main" xmlns:r="http://schemas.openxmlformats.org/officeDocument/2006/relationships" xmlns:p1510="http://schemas.microsoft.com/office/powerpoint/2015/10/main">
   <p1510:revLst>
-    <p1510:client id="{C434C889-0649-4939-9B10-6540B815603D}" v="20" dt="2024-12-18T06:33:25.787"/>
+    <p1510:client id="{E0C3A8BD-B16C-439A-BD66-843E751EF073}" v="6" dt="2025-01-27T14:13:46.943"/>
   </p1510:revLst>
 </p1510:revInfo>
 </file>
@@ -130,22 +137,6 @@
           <pc:docMk/>
           <pc:sldMk cId="1485735923" sldId="256"/>
         </pc:sldMkLst>
-        <pc:spChg chg="del">
-          <ac:chgData name="Noritsuna Imamura" userId="5b2da16fa1785921" providerId="LiveId" clId="{C434C889-0649-4939-9B10-6540B815603D}" dt="2024-12-18T06:19:45.225" v="2" actId="478"/>
-          <ac:spMkLst>
-            <pc:docMk/>
-            <pc:sldMk cId="1485735923" sldId="256"/>
-            <ac:spMk id="2" creationId="{FF7E2652-7FB3-0A7E-5784-C1CFBA1B5197}"/>
-          </ac:spMkLst>
-        </pc:spChg>
-        <pc:spChg chg="del">
-          <ac:chgData name="Noritsuna Imamura" userId="5b2da16fa1785921" providerId="LiveId" clId="{C434C889-0649-4939-9B10-6540B815603D}" dt="2024-12-18T06:19:42.485" v="1" actId="478"/>
-          <ac:spMkLst>
-            <pc:docMk/>
-            <pc:sldMk cId="1485735923" sldId="256"/>
-            <ac:spMk id="3" creationId="{714746A7-851E-9348-3038-F96AF29C11EF}"/>
-          </ac:spMkLst>
-        </pc:spChg>
         <pc:spChg chg="add mod">
           <ac:chgData name="Noritsuna Imamura" userId="5b2da16fa1785921" providerId="LiveId" clId="{C434C889-0649-4939-9B10-6540B815603D}" dt="2024-12-18T06:25:36.817" v="107" actId="14100"/>
           <ac:spMkLst>
@@ -261,6 +252,173 @@
       </pc:sldChg>
     </pc:docChg>
   </pc:docChgLst>
+  <pc:docChgLst>
+    <pc:chgData name="Noritsuna Imamura" userId="5b2da16fa1785921" providerId="LiveId" clId="{E0C3A8BD-B16C-439A-BD66-843E751EF073}"/>
+    <pc:docChg chg="custSel addSld modSld">
+      <pc:chgData name="Noritsuna Imamura" userId="5b2da16fa1785921" providerId="LiveId" clId="{E0C3A8BD-B16C-439A-BD66-843E751EF073}" dt="2025-01-27T14:14:24.492" v="31" actId="1076"/>
+      <pc:docMkLst>
+        <pc:docMk/>
+      </pc:docMkLst>
+      <pc:sldChg chg="delSp add setBg delDesignElem">
+        <pc:chgData name="Noritsuna Imamura" userId="5b2da16fa1785921" providerId="LiveId" clId="{E0C3A8BD-B16C-439A-BD66-843E751EF073}" dt="2025-01-27T14:10:18.438" v="1"/>
+        <pc:sldMkLst>
+          <pc:docMk/>
+          <pc:sldMk cId="1699135676" sldId="257"/>
+        </pc:sldMkLst>
+        <pc:spChg chg="del">
+          <ac:chgData name="Noritsuna Imamura" userId="5b2da16fa1785921" providerId="LiveId" clId="{E0C3A8BD-B16C-439A-BD66-843E751EF073}" dt="2025-01-27T14:10:18.438" v="1"/>
+          <ac:spMkLst>
+            <pc:docMk/>
+            <pc:sldMk cId="1699135676" sldId="257"/>
+            <ac:spMk id="10" creationId="{42A4FC2C-047E-45A5-965D-8E1E3BF09BC6}"/>
+          </ac:spMkLst>
+        </pc:spChg>
+      </pc:sldChg>
+      <pc:sldChg chg="addSp delSp modSp add mod setBg delDesignElem">
+        <pc:chgData name="Noritsuna Imamura" userId="5b2da16fa1785921" providerId="LiveId" clId="{E0C3A8BD-B16C-439A-BD66-843E751EF073}" dt="2025-01-27T14:14:24.492" v="31" actId="1076"/>
+        <pc:sldMkLst>
+          <pc:docMk/>
+          <pc:sldMk cId="3428104022" sldId="258"/>
+        </pc:sldMkLst>
+        <pc:spChg chg="add mod">
+          <ac:chgData name="Noritsuna Imamura" userId="5b2da16fa1785921" providerId="LiveId" clId="{E0C3A8BD-B16C-439A-BD66-843E751EF073}" dt="2025-01-27T14:11:30.628" v="19" actId="14100"/>
+          <ac:spMkLst>
+            <pc:docMk/>
+            <pc:sldMk cId="3428104022" sldId="258"/>
+            <ac:spMk id="3" creationId="{6D84DA2E-6B30-3A3C-5241-50266C81EC4C}"/>
+          </ac:spMkLst>
+        </pc:spChg>
+        <pc:spChg chg="mod">
+          <ac:chgData name="Noritsuna Imamura" userId="5b2da16fa1785921" providerId="LiveId" clId="{E0C3A8BD-B16C-439A-BD66-843E751EF073}" dt="2025-01-27T14:11:34.101" v="20" actId="14100"/>
+          <ac:spMkLst>
+            <pc:docMk/>
+            <pc:sldMk cId="3428104022" sldId="258"/>
+            <ac:spMk id="6" creationId="{CB860516-C194-6273-8C8F-908D4D67D0B4}"/>
+          </ac:spMkLst>
+        </pc:spChg>
+        <pc:spChg chg="mod">
+          <ac:chgData name="Noritsuna Imamura" userId="5b2da16fa1785921" providerId="LiveId" clId="{E0C3A8BD-B16C-439A-BD66-843E751EF073}" dt="2025-01-27T14:10:55.971" v="10" actId="14100"/>
+          <ac:spMkLst>
+            <pc:docMk/>
+            <pc:sldMk cId="3428104022" sldId="258"/>
+            <ac:spMk id="7" creationId="{D555044B-C6DD-0FB6-379A-38AF293E0A5C}"/>
+          </ac:spMkLst>
+        </pc:spChg>
+        <pc:spChg chg="mod">
+          <ac:chgData name="Noritsuna Imamura" userId="5b2da16fa1785921" providerId="LiveId" clId="{E0C3A8BD-B16C-439A-BD66-843E751EF073}" dt="2025-01-27T14:10:47.528" v="8" actId="1076"/>
+          <ac:spMkLst>
+            <pc:docMk/>
+            <pc:sldMk cId="3428104022" sldId="258"/>
+            <ac:spMk id="8" creationId="{B3128B3B-8F00-D329-F8AD-AAA88F7D1D19}"/>
+          </ac:spMkLst>
+        </pc:spChg>
+        <pc:spChg chg="mod">
+          <ac:chgData name="Noritsuna Imamura" userId="5b2da16fa1785921" providerId="LiveId" clId="{E0C3A8BD-B16C-439A-BD66-843E751EF073}" dt="2025-01-27T14:10:59.856" v="11" actId="1076"/>
+          <ac:spMkLst>
+            <pc:docMk/>
+            <pc:sldMk cId="3428104022" sldId="258"/>
+            <ac:spMk id="9" creationId="{9F788899-1551-3074-BE91-75DEAB7555B3}"/>
+          </ac:spMkLst>
+        </pc:spChg>
+        <pc:spChg chg="del">
+          <ac:chgData name="Noritsuna Imamura" userId="5b2da16fa1785921" providerId="LiveId" clId="{E0C3A8BD-B16C-439A-BD66-843E751EF073}" dt="2025-01-27T14:10:23.976" v="3"/>
+          <ac:spMkLst>
+            <pc:docMk/>
+            <pc:sldMk cId="3428104022" sldId="258"/>
+            <ac:spMk id="10" creationId="{6E01049F-4CA4-9235-8380-265C0D396592}"/>
+          </ac:spMkLst>
+        </pc:spChg>
+        <pc:spChg chg="del">
+          <ac:chgData name="Noritsuna Imamura" userId="5b2da16fa1785921" providerId="LiveId" clId="{E0C3A8BD-B16C-439A-BD66-843E751EF073}" dt="2025-01-27T14:11:18.911" v="16" actId="478"/>
+          <ac:spMkLst>
+            <pc:docMk/>
+            <pc:sldMk cId="3428104022" sldId="258"/>
+            <ac:spMk id="11" creationId="{F06BC0B9-5E59-6D62-FC92-15667D8284FA}"/>
+          </ac:spMkLst>
+        </pc:spChg>
+        <pc:spChg chg="mod">
+          <ac:chgData name="Noritsuna Imamura" userId="5b2da16fa1785921" providerId="LiveId" clId="{E0C3A8BD-B16C-439A-BD66-843E751EF073}" dt="2025-01-27T14:11:47.279" v="21" actId="1076"/>
+          <ac:spMkLst>
+            <pc:docMk/>
+            <pc:sldMk cId="3428104022" sldId="258"/>
+            <ac:spMk id="12" creationId="{5F0ACA1B-F999-062C-6207-146606EF8577}"/>
+          </ac:spMkLst>
+        </pc:spChg>
+        <pc:spChg chg="mod">
+          <ac:chgData name="Noritsuna Imamura" userId="5b2da16fa1785921" providerId="LiveId" clId="{E0C3A8BD-B16C-439A-BD66-843E751EF073}" dt="2025-01-27T14:11:57.201" v="24" actId="1076"/>
+          <ac:spMkLst>
+            <pc:docMk/>
+            <pc:sldMk cId="3428104022" sldId="258"/>
+            <ac:spMk id="13" creationId="{C375EDC4-67AD-8E60-1995-C284F62D16DD}"/>
+          </ac:spMkLst>
+        </pc:spChg>
+        <pc:spChg chg="mod">
+          <ac:chgData name="Noritsuna Imamura" userId="5b2da16fa1785921" providerId="LiveId" clId="{E0C3A8BD-B16C-439A-BD66-843E751EF073}" dt="2025-01-27T14:11:54.036" v="23" actId="1076"/>
+          <ac:spMkLst>
+            <pc:docMk/>
+            <pc:sldMk cId="3428104022" sldId="258"/>
+            <ac:spMk id="14" creationId="{20C3FFD3-B2A5-E9AE-44D0-831B6A0C1926}"/>
+          </ac:spMkLst>
+        </pc:spChg>
+        <pc:spChg chg="mod">
+          <ac:chgData name="Noritsuna Imamura" userId="5b2da16fa1785921" providerId="LiveId" clId="{E0C3A8BD-B16C-439A-BD66-843E751EF073}" dt="2025-01-27T14:11:51.231" v="22" actId="1076"/>
+          <ac:spMkLst>
+            <pc:docMk/>
+            <pc:sldMk cId="3428104022" sldId="258"/>
+            <ac:spMk id="15" creationId="{06A62154-D24C-0C71-E7C3-E28DDF9BB8C8}"/>
+          </ac:spMkLst>
+        </pc:spChg>
+        <pc:spChg chg="mod">
+          <ac:chgData name="Noritsuna Imamura" userId="5b2da16fa1785921" providerId="LiveId" clId="{E0C3A8BD-B16C-439A-BD66-843E751EF073}" dt="2025-01-27T14:11:03.862" v="12" actId="1076"/>
+          <ac:spMkLst>
+            <pc:docMk/>
+            <pc:sldMk cId="3428104022" sldId="258"/>
+            <ac:spMk id="16" creationId="{BAC60A09-4093-DB7E-98E0-88E3F909B13D}"/>
+          </ac:spMkLst>
+        </pc:spChg>
+        <pc:spChg chg="mod">
+          <ac:chgData name="Noritsuna Imamura" userId="5b2da16fa1785921" providerId="LiveId" clId="{E0C3A8BD-B16C-439A-BD66-843E751EF073}" dt="2025-01-27T14:11:08.654" v="13" actId="1076"/>
+          <ac:spMkLst>
+            <pc:docMk/>
+            <pc:sldMk cId="3428104022" sldId="258"/>
+            <ac:spMk id="17" creationId="{7E541E77-ED14-542F-8546-05B2DCE76D7E}"/>
+          </ac:spMkLst>
+        </pc:spChg>
+        <pc:spChg chg="mod">
+          <ac:chgData name="Noritsuna Imamura" userId="5b2da16fa1785921" providerId="LiveId" clId="{E0C3A8BD-B16C-439A-BD66-843E751EF073}" dt="2025-01-27T14:11:15.876" v="15" actId="14100"/>
+          <ac:spMkLst>
+            <pc:docMk/>
+            <pc:sldMk cId="3428104022" sldId="258"/>
+            <ac:spMk id="18" creationId="{BD93C24C-3D27-EAA4-EEAB-F904134E7850}"/>
+          </ac:spMkLst>
+        </pc:spChg>
+        <pc:picChg chg="add mod ord">
+          <ac:chgData name="Noritsuna Imamura" userId="5b2da16fa1785921" providerId="LiveId" clId="{E0C3A8BD-B16C-439A-BD66-843E751EF073}" dt="2025-01-27T14:10:35.747" v="6" actId="167"/>
+          <ac:picMkLst>
+            <pc:docMk/>
+            <pc:sldMk cId="3428104022" sldId="258"/>
+            <ac:picMk id="2" creationId="{C8332233-328A-E1C9-422E-67791E64C597}"/>
+          </ac:picMkLst>
+        </pc:picChg>
+        <pc:picChg chg="add mod ord">
+          <ac:chgData name="Noritsuna Imamura" userId="5b2da16fa1785921" providerId="LiveId" clId="{E0C3A8BD-B16C-439A-BD66-843E751EF073}" dt="2025-01-27T14:14:24.492" v="31" actId="1076"/>
+          <ac:picMkLst>
+            <pc:docMk/>
+            <pc:sldMk cId="3428104022" sldId="258"/>
+            <ac:picMk id="4" creationId="{4C2AE3F2-1355-7E8D-AA3E-842E006D36A4}"/>
+          </ac:picMkLst>
+        </pc:picChg>
+        <pc:picChg chg="del">
+          <ac:chgData name="Noritsuna Imamura" userId="5b2da16fa1785921" providerId="LiveId" clId="{E0C3A8BD-B16C-439A-BD66-843E751EF073}" dt="2025-01-27T14:10:26.683" v="4" actId="478"/>
+          <ac:picMkLst>
+            <pc:docMk/>
+            <pc:sldMk cId="3428104022" sldId="258"/>
+            <ac:picMk id="5" creationId="{EF22F43C-D563-608B-D9B8-1E3A3E09E92B}"/>
+          </ac:picMkLst>
+        </pc:picChg>
+      </pc:sldChg>
+    </pc:docChg>
+  </pc:docChgLst>
 </pc:chgInfo>
 </file>
 
@@ -411,7 +569,7 @@
           <a:p>
             <a:fld id="{3281D44C-B166-44DC-8766-D76A98F3CC7F}" type="datetimeFigureOut">
               <a:rPr kumimoji="1" lang="ja-JP" altLang="en-US" smtClean="0"/>
-              <a:t>2024/12/18</a:t>
+              <a:t>2025/1/27</a:t>
             </a:fld>
             <a:endParaRPr kumimoji="1" lang="ja-JP" altLang="en-US"/>
           </a:p>
@@ -641,7 +799,7 @@
           <a:p>
             <a:fld id="{3281D44C-B166-44DC-8766-D76A98F3CC7F}" type="datetimeFigureOut">
               <a:rPr kumimoji="1" lang="ja-JP" altLang="en-US" smtClean="0"/>
-              <a:t>2024/12/18</a:t>
+              <a:t>2025/1/27</a:t>
             </a:fld>
             <a:endParaRPr kumimoji="1" lang="ja-JP" altLang="en-US"/>
           </a:p>
@@ -881,7 +1039,7 @@
           <a:p>
             <a:fld id="{3281D44C-B166-44DC-8766-D76A98F3CC7F}" type="datetimeFigureOut">
               <a:rPr kumimoji="1" lang="ja-JP" altLang="en-US" smtClean="0"/>
-              <a:t>2024/12/18</a:t>
+              <a:t>2025/1/27</a:t>
             </a:fld>
             <a:endParaRPr kumimoji="1" lang="ja-JP" altLang="en-US"/>
           </a:p>
@@ -1111,7 +1269,7 @@
           <a:p>
             <a:fld id="{3281D44C-B166-44DC-8766-D76A98F3CC7F}" type="datetimeFigureOut">
               <a:rPr kumimoji="1" lang="ja-JP" altLang="en-US" smtClean="0"/>
-              <a:t>2024/12/18</a:t>
+              <a:t>2025/1/27</a:t>
             </a:fld>
             <a:endParaRPr kumimoji="1" lang="ja-JP" altLang="en-US"/>
           </a:p>
@@ -1386,7 +1544,7 @@
           <a:p>
             <a:fld id="{3281D44C-B166-44DC-8766-D76A98F3CC7F}" type="datetimeFigureOut">
               <a:rPr kumimoji="1" lang="ja-JP" altLang="en-US" smtClean="0"/>
-              <a:t>2024/12/18</a:t>
+              <a:t>2025/1/27</a:t>
             </a:fld>
             <a:endParaRPr kumimoji="1" lang="ja-JP" altLang="en-US"/>
           </a:p>
@@ -1715,7 +1873,7 @@
           <a:p>
             <a:fld id="{3281D44C-B166-44DC-8766-D76A98F3CC7F}" type="datetimeFigureOut">
               <a:rPr kumimoji="1" lang="ja-JP" altLang="en-US" smtClean="0"/>
-              <a:t>2024/12/18</a:t>
+              <a:t>2025/1/27</a:t>
             </a:fld>
             <a:endParaRPr kumimoji="1" lang="ja-JP" altLang="en-US"/>
           </a:p>
@@ -2191,7 +2349,7 @@
           <a:p>
             <a:fld id="{3281D44C-B166-44DC-8766-D76A98F3CC7F}" type="datetimeFigureOut">
               <a:rPr kumimoji="1" lang="ja-JP" altLang="en-US" smtClean="0"/>
-              <a:t>2024/12/18</a:t>
+              <a:t>2025/1/27</a:t>
             </a:fld>
             <a:endParaRPr kumimoji="1" lang="ja-JP" altLang="en-US"/>
           </a:p>
@@ -2332,7 +2490,7 @@
           <a:p>
             <a:fld id="{3281D44C-B166-44DC-8766-D76A98F3CC7F}" type="datetimeFigureOut">
               <a:rPr kumimoji="1" lang="ja-JP" altLang="en-US" smtClean="0"/>
-              <a:t>2024/12/18</a:t>
+              <a:t>2025/1/27</a:t>
             </a:fld>
             <a:endParaRPr kumimoji="1" lang="ja-JP" altLang="en-US"/>
           </a:p>
@@ -2445,7 +2603,7 @@
           <a:p>
             <a:fld id="{3281D44C-B166-44DC-8766-D76A98F3CC7F}" type="datetimeFigureOut">
               <a:rPr kumimoji="1" lang="ja-JP" altLang="en-US" smtClean="0"/>
-              <a:t>2024/12/18</a:t>
+              <a:t>2025/1/27</a:t>
             </a:fld>
             <a:endParaRPr kumimoji="1" lang="ja-JP" altLang="en-US"/>
           </a:p>
@@ -2788,7 +2946,7 @@
           <a:p>
             <a:fld id="{3281D44C-B166-44DC-8766-D76A98F3CC7F}" type="datetimeFigureOut">
               <a:rPr kumimoji="1" lang="ja-JP" altLang="en-US" smtClean="0"/>
-              <a:t>2024/12/18</a:t>
+              <a:t>2025/1/27</a:t>
             </a:fld>
             <a:endParaRPr kumimoji="1" lang="ja-JP" altLang="en-US"/>
           </a:p>
@@ -3076,7 +3234,7 @@
           <a:p>
             <a:fld id="{3281D44C-B166-44DC-8766-D76A98F3CC7F}" type="datetimeFigureOut">
               <a:rPr kumimoji="1" lang="ja-JP" altLang="en-US" smtClean="0"/>
-              <a:t>2024/12/18</a:t>
+              <a:t>2025/1/27</a:t>
             </a:fld>
             <a:endParaRPr kumimoji="1" lang="ja-JP" altLang="en-US"/>
           </a:p>
@@ -3349,7 +3507,7 @@
           <a:p>
             <a:fld id="{3281D44C-B166-44DC-8766-D76A98F3CC7F}" type="datetimeFigureOut">
               <a:rPr kumimoji="1" lang="ja-JP" altLang="en-US" smtClean="0"/>
-              <a:t>2024/12/18</a:t>
+              <a:t>2025/1/27</a:t>
             </a:fld>
             <a:endParaRPr kumimoji="1" lang="ja-JP" altLang="en-US"/>
           </a:p>
@@ -4755,6 +4913,1735 @@
 </p:sld>
 </file>
 
+<file path=ppt/slides/slide2.xml><?xml version="1.0" encoding="utf-8"?>
+<p:sld xmlns:a="http://schemas.openxmlformats.org/drawingml/2006/main" xmlns:r="http://schemas.openxmlformats.org/officeDocument/2006/relationships" xmlns:p="http://schemas.openxmlformats.org/presentationml/2006/main">
+  <p:cSld>
+    <p:spTree>
+      <p:nvGrpSpPr>
+        <p:cNvPr id="1" name="">
+          <a:extLst>
+            <a:ext uri="{FF2B5EF4-FFF2-40B4-BE49-F238E27FC236}">
+              <a16:creationId xmlns:a16="http://schemas.microsoft.com/office/drawing/2014/main" id="{685DAA3E-01BA-D5BF-25AF-BFF184A8DD43}"/>
+            </a:ext>
+          </a:extLst>
+        </p:cNvPr>
+        <p:cNvGrpSpPr/>
+        <p:nvPr/>
+      </p:nvGrpSpPr>
+      <p:grpSpPr>
+        <a:xfrm>
+          <a:off x="0" y="0"/>
+          <a:ext cx="0" cy="0"/>
+          <a:chOff x="0" y="0"/>
+          <a:chExt cx="0" cy="0"/>
+        </a:xfrm>
+      </p:grpSpPr>
+      <p:pic>
+        <p:nvPicPr>
+          <p:cNvPr id="4" name="図 3" descr="コンピューターのスクリーンショット&#10;&#10;中程度の精度で自動的に生成された説明">
+            <a:extLst>
+              <a:ext uri="{FF2B5EF4-FFF2-40B4-BE49-F238E27FC236}">
+                <a16:creationId xmlns:a16="http://schemas.microsoft.com/office/drawing/2014/main" id="{4C2AE3F2-1355-7E8D-AA3E-842E006D36A4}"/>
+              </a:ext>
+            </a:extLst>
+          </p:cNvPr>
+          <p:cNvPicPr>
+            <a:picLocks noChangeAspect="1"/>
+          </p:cNvPicPr>
+          <p:nvPr/>
+        </p:nvPicPr>
+        <p:blipFill>
+          <a:blip r:embed="rId2">
+            <a:extLst>
+              <a:ext uri="{28A0092B-C50C-407E-A947-70E740481C1C}">
+                <a14:useLocalDpi xmlns:a14="http://schemas.microsoft.com/office/drawing/2010/main" val="0"/>
+              </a:ext>
+            </a:extLst>
+          </a:blip>
+          <a:srcRect l="4871" r="1" b="1"/>
+          <a:stretch/>
+        </p:blipFill>
+        <p:spPr>
+          <a:xfrm>
+            <a:off x="-776353" y="-1077868"/>
+            <a:ext cx="14110824" cy="7935868"/>
+          </a:xfrm>
+          <a:prstGeom prst="rect">
+            <a:avLst/>
+          </a:prstGeom>
+        </p:spPr>
+      </p:pic>
+      <p:pic>
+        <p:nvPicPr>
+          <p:cNvPr id="2" name="図 1" descr="スコアボード, 回路 が含まれている画像&#10;&#10;自動的に生成された説明">
+            <a:extLst>
+              <a:ext uri="{FF2B5EF4-FFF2-40B4-BE49-F238E27FC236}">
+                <a16:creationId xmlns:a16="http://schemas.microsoft.com/office/drawing/2014/main" id="{C8332233-328A-E1C9-422E-67791E64C597}"/>
+              </a:ext>
+            </a:extLst>
+          </p:cNvPr>
+          <p:cNvPicPr>
+            <a:picLocks noChangeAspect="1"/>
+          </p:cNvPicPr>
+          <p:nvPr/>
+        </p:nvPicPr>
+        <p:blipFill>
+          <a:blip r:embed="rId3">
+            <a:extLst>
+              <a:ext uri="{28A0092B-C50C-407E-A947-70E740481C1C}">
+                <a14:useLocalDpi xmlns:a14="http://schemas.microsoft.com/office/drawing/2010/main" val="0"/>
+              </a:ext>
+            </a:extLst>
+          </a:blip>
+          <a:stretch>
+            <a:fillRect/>
+          </a:stretch>
+        </p:blipFill>
+        <p:spPr>
+          <a:xfrm>
+            <a:off x="3320141" y="0"/>
+            <a:ext cx="6829544" cy="6858000"/>
+          </a:xfrm>
+          <a:prstGeom prst="rect">
+            <a:avLst/>
+          </a:prstGeom>
+        </p:spPr>
+      </p:pic>
+      <p:sp>
+        <p:nvSpPr>
+          <p:cNvPr id="6" name="吹き出し: 角を丸めた四角形 5">
+            <a:extLst>
+              <a:ext uri="{FF2B5EF4-FFF2-40B4-BE49-F238E27FC236}">
+                <a16:creationId xmlns:a16="http://schemas.microsoft.com/office/drawing/2014/main" id="{CB860516-C194-6273-8C8F-908D4D67D0B4}"/>
+              </a:ext>
+            </a:extLst>
+          </p:cNvPr>
+          <p:cNvSpPr/>
+          <p:nvPr/>
+        </p:nvSpPr>
+        <p:spPr>
+          <a:xfrm>
+            <a:off x="4496912" y="267418"/>
+            <a:ext cx="1782147" cy="592519"/>
+          </a:xfrm>
+          <a:prstGeom prst="wedgeRoundRectCallout">
+            <a:avLst>
+              <a:gd name="adj1" fmla="val 47074"/>
+              <a:gd name="adj2" fmla="val 167041"/>
+              <a:gd name="adj3" fmla="val 16667"/>
+            </a:avLst>
+          </a:prstGeom>
+        </p:spPr>
+        <p:style>
+          <a:lnRef idx="1">
+            <a:schemeClr val="accent6"/>
+          </a:lnRef>
+          <a:fillRef idx="2">
+            <a:schemeClr val="accent6"/>
+          </a:fillRef>
+          <a:effectRef idx="1">
+            <a:schemeClr val="accent6"/>
+          </a:effectRef>
+          <a:fontRef idx="minor">
+            <a:schemeClr val="dk1"/>
+          </a:fontRef>
+        </p:style>
+        <p:txBody>
+          <a:bodyPr rtlCol="0" anchor="ctr"/>
+          <a:lstStyle/>
+          <a:p>
+            <a:pPr algn="ctr"/>
+            <a:r>
+              <a:rPr kumimoji="1" lang="ja-JP" altLang="en-US" sz="1600" dirty="0"/>
+              <a:t>降圧型</a:t>
+            </a:r>
+            <a:r>
+              <a:rPr kumimoji="1" lang="en-US" altLang="ja-JP" sz="1600" dirty="0"/>
+              <a:t>DCDC</a:t>
+            </a:r>
+          </a:p>
+          <a:p>
+            <a:pPr algn="ctr"/>
+            <a:r>
+              <a:rPr lang="en-US" altLang="ja-JP" sz="1600" dirty="0"/>
+              <a:t>lufe&amp;noritsuna</a:t>
+            </a:r>
+            <a:endParaRPr kumimoji="1" lang="ja-JP" altLang="en-US" sz="1600" dirty="0"/>
+          </a:p>
+        </p:txBody>
+      </p:sp>
+      <p:sp>
+        <p:nvSpPr>
+          <p:cNvPr id="7" name="吹き出し: 角を丸めた四角形 6">
+            <a:extLst>
+              <a:ext uri="{FF2B5EF4-FFF2-40B4-BE49-F238E27FC236}">
+                <a16:creationId xmlns:a16="http://schemas.microsoft.com/office/drawing/2014/main" id="{D555044B-C6DD-0FB6-379A-38AF293E0A5C}"/>
+              </a:ext>
+            </a:extLst>
+          </p:cNvPr>
+          <p:cNvSpPr/>
+          <p:nvPr/>
+        </p:nvSpPr>
+        <p:spPr>
+          <a:xfrm>
+            <a:off x="6512930" y="1975717"/>
+            <a:ext cx="1782147" cy="592519"/>
+          </a:xfrm>
+          <a:prstGeom prst="wedgeRoundRectCallout">
+            <a:avLst>
+              <a:gd name="adj1" fmla="val 48077"/>
+              <a:gd name="adj2" fmla="val -140503"/>
+              <a:gd name="adj3" fmla="val 16667"/>
+            </a:avLst>
+          </a:prstGeom>
+        </p:spPr>
+        <p:style>
+          <a:lnRef idx="1">
+            <a:schemeClr val="accent2"/>
+          </a:lnRef>
+          <a:fillRef idx="2">
+            <a:schemeClr val="accent2"/>
+          </a:fillRef>
+          <a:effectRef idx="1">
+            <a:schemeClr val="accent2"/>
+          </a:effectRef>
+          <a:fontRef idx="minor">
+            <a:schemeClr val="dk1"/>
+          </a:fontRef>
+        </p:style>
+        <p:txBody>
+          <a:bodyPr rtlCol="0" anchor="ctr"/>
+          <a:lstStyle/>
+          <a:p>
+            <a:pPr algn="ctr"/>
+            <a:r>
+              <a:rPr lang="en-US" altLang="ja-JP" sz="1600" dirty="0"/>
+              <a:t>Inverter</a:t>
+            </a:r>
+            <a:r>
+              <a:rPr lang="ja-JP" altLang="en-US" sz="1600" dirty="0"/>
+              <a:t>回路</a:t>
+            </a:r>
+            <a:endParaRPr kumimoji="1" lang="en-US" altLang="ja-JP" sz="1600" dirty="0"/>
+          </a:p>
+          <a:p>
+            <a:pPr algn="ctr"/>
+            <a:r>
+              <a:rPr kumimoji="1" lang="en-US" altLang="ja-JP" sz="1600" dirty="0"/>
+              <a:t>xian_DIY</a:t>
+            </a:r>
+            <a:endParaRPr kumimoji="1" lang="ja-JP" altLang="en-US" sz="1600" dirty="0"/>
+          </a:p>
+        </p:txBody>
+      </p:sp>
+      <p:sp>
+        <p:nvSpPr>
+          <p:cNvPr id="8" name="吹き出し: 角を丸めた四角形 7">
+            <a:extLst>
+              <a:ext uri="{FF2B5EF4-FFF2-40B4-BE49-F238E27FC236}">
+                <a16:creationId xmlns:a16="http://schemas.microsoft.com/office/drawing/2014/main" id="{B3128B3B-8F00-D329-F8AD-AAA88F7D1D19}"/>
+              </a:ext>
+            </a:extLst>
+          </p:cNvPr>
+          <p:cNvSpPr/>
+          <p:nvPr/>
+        </p:nvSpPr>
+        <p:spPr>
+          <a:xfrm>
+            <a:off x="6891310" y="388726"/>
+            <a:ext cx="1782147" cy="592519"/>
+          </a:xfrm>
+          <a:prstGeom prst="wedgeRoundRectCallout">
+            <a:avLst>
+              <a:gd name="adj1" fmla="val 58248"/>
+              <a:gd name="adj2" fmla="val 90825"/>
+              <a:gd name="adj3" fmla="val 16667"/>
+            </a:avLst>
+          </a:prstGeom>
+        </p:spPr>
+        <p:style>
+          <a:lnRef idx="1">
+            <a:schemeClr val="accent5"/>
+          </a:lnRef>
+          <a:fillRef idx="2">
+            <a:schemeClr val="accent5"/>
+          </a:fillRef>
+          <a:effectRef idx="1">
+            <a:schemeClr val="accent5"/>
+          </a:effectRef>
+          <a:fontRef idx="minor">
+            <a:schemeClr val="dk1"/>
+          </a:fontRef>
+        </p:style>
+        <p:txBody>
+          <a:bodyPr rtlCol="0" anchor="ctr"/>
+          <a:lstStyle/>
+          <a:p>
+            <a:pPr algn="ctr"/>
+            <a:r>
+              <a:rPr lang="en-US" altLang="ja-JP" sz="1600" dirty="0"/>
+              <a:t>Inverter</a:t>
+            </a:r>
+            <a:r>
+              <a:rPr lang="ja-JP" altLang="en-US" sz="1600" dirty="0"/>
+              <a:t>回路</a:t>
+            </a:r>
+            <a:endParaRPr kumimoji="1" lang="en-US" altLang="ja-JP" sz="1600" dirty="0"/>
+          </a:p>
+          <a:p>
+            <a:pPr algn="ctr"/>
+            <a:r>
+              <a:rPr kumimoji="1" lang="en-US" altLang="ja-JP" sz="1600" dirty="0"/>
+              <a:t>masahiro</a:t>
+            </a:r>
+            <a:endParaRPr kumimoji="1" lang="ja-JP" altLang="en-US" sz="1600" dirty="0"/>
+          </a:p>
+        </p:txBody>
+      </p:sp>
+      <p:sp>
+        <p:nvSpPr>
+          <p:cNvPr id="9" name="吹き出し: 角を丸めた四角形 8">
+            <a:extLst>
+              <a:ext uri="{FF2B5EF4-FFF2-40B4-BE49-F238E27FC236}">
+                <a16:creationId xmlns:a16="http://schemas.microsoft.com/office/drawing/2014/main" id="{9F788899-1551-3074-BE91-75DEAB7555B3}"/>
+              </a:ext>
+            </a:extLst>
+          </p:cNvPr>
+          <p:cNvSpPr/>
+          <p:nvPr/>
+        </p:nvSpPr>
+        <p:spPr>
+          <a:xfrm>
+            <a:off x="9374700" y="1225868"/>
+            <a:ext cx="2054289" cy="592519"/>
+          </a:xfrm>
+          <a:prstGeom prst="wedgeRoundRectCallout">
+            <a:avLst>
+              <a:gd name="adj1" fmla="val -71001"/>
+              <a:gd name="adj2" fmla="val 65629"/>
+              <a:gd name="adj3" fmla="val 16667"/>
+            </a:avLst>
+          </a:prstGeom>
+        </p:spPr>
+        <p:style>
+          <a:lnRef idx="1">
+            <a:schemeClr val="accent2"/>
+          </a:lnRef>
+          <a:fillRef idx="2">
+            <a:schemeClr val="accent2"/>
+          </a:fillRef>
+          <a:effectRef idx="1">
+            <a:schemeClr val="accent2"/>
+          </a:effectRef>
+          <a:fontRef idx="minor">
+            <a:schemeClr val="dk1"/>
+          </a:fontRef>
+        </p:style>
+        <p:txBody>
+          <a:bodyPr rtlCol="0" anchor="ctr"/>
+          <a:lstStyle/>
+          <a:p>
+            <a:pPr algn="ctr"/>
+            <a:r>
+              <a:rPr lang="en-US" altLang="ja-JP" sz="1600" dirty="0"/>
+              <a:t>Inverter</a:t>
+            </a:r>
+            <a:r>
+              <a:rPr lang="ja-JP" altLang="en-US" sz="1600" dirty="0"/>
+              <a:t>回路</a:t>
+            </a:r>
+            <a:endParaRPr kumimoji="1" lang="en-US" altLang="ja-JP" sz="1600" dirty="0"/>
+          </a:p>
+          <a:p>
+            <a:pPr algn="ctr"/>
+            <a:r>
+              <a:rPr kumimoji="1" lang="en-US" altLang="ja-JP" sz="1600" dirty="0"/>
+              <a:t>tomoya_nonymous</a:t>
+            </a:r>
+            <a:endParaRPr kumimoji="1" lang="ja-JP" altLang="en-US" sz="1600" dirty="0"/>
+          </a:p>
+        </p:txBody>
+      </p:sp>
+      <p:sp>
+        <p:nvSpPr>
+          <p:cNvPr id="12" name="吹き出し: 角を丸めた四角形 11">
+            <a:extLst>
+              <a:ext uri="{FF2B5EF4-FFF2-40B4-BE49-F238E27FC236}">
+                <a16:creationId xmlns:a16="http://schemas.microsoft.com/office/drawing/2014/main" id="{5F0ACA1B-F999-062C-6207-146606EF8577}"/>
+              </a:ext>
+            </a:extLst>
+          </p:cNvPr>
+          <p:cNvSpPr/>
+          <p:nvPr/>
+        </p:nvSpPr>
+        <p:spPr>
+          <a:xfrm>
+            <a:off x="2429068" y="1055868"/>
+            <a:ext cx="1782147" cy="592519"/>
+          </a:xfrm>
+          <a:prstGeom prst="wedgeRoundRectCallout">
+            <a:avLst>
+              <a:gd name="adj1" fmla="val 63747"/>
+              <a:gd name="adj2" fmla="val 104998"/>
+              <a:gd name="adj3" fmla="val 16667"/>
+            </a:avLst>
+          </a:prstGeom>
+        </p:spPr>
+        <p:style>
+          <a:lnRef idx="1">
+            <a:schemeClr val="accent2"/>
+          </a:lnRef>
+          <a:fillRef idx="2">
+            <a:schemeClr val="accent2"/>
+          </a:fillRef>
+          <a:effectRef idx="1">
+            <a:schemeClr val="accent2"/>
+          </a:effectRef>
+          <a:fontRef idx="minor">
+            <a:schemeClr val="dk1"/>
+          </a:fontRef>
+        </p:style>
+        <p:txBody>
+          <a:bodyPr rtlCol="0" anchor="ctr"/>
+          <a:lstStyle/>
+          <a:p>
+            <a:pPr algn="ctr"/>
+            <a:r>
+              <a:rPr lang="en-US" altLang="ja-JP" sz="1600" dirty="0"/>
+              <a:t>Inverter</a:t>
+            </a:r>
+            <a:r>
+              <a:rPr lang="ja-JP" altLang="en-US" sz="1600" dirty="0"/>
+              <a:t>回路</a:t>
+            </a:r>
+            <a:endParaRPr kumimoji="1" lang="en-US" altLang="ja-JP" sz="1600" dirty="0"/>
+          </a:p>
+          <a:p>
+            <a:pPr algn="ctr"/>
+            <a:r>
+              <a:rPr kumimoji="1" lang="en-US" altLang="ja-JP" sz="1600" dirty="0"/>
+              <a:t>dokunira</a:t>
+            </a:r>
+            <a:endParaRPr kumimoji="1" lang="ja-JP" altLang="en-US" sz="1600" dirty="0"/>
+          </a:p>
+        </p:txBody>
+      </p:sp>
+      <p:sp>
+        <p:nvSpPr>
+          <p:cNvPr id="13" name="吹き出し: 角を丸めた四角形 12">
+            <a:extLst>
+              <a:ext uri="{FF2B5EF4-FFF2-40B4-BE49-F238E27FC236}">
+                <a16:creationId xmlns:a16="http://schemas.microsoft.com/office/drawing/2014/main" id="{C375EDC4-67AD-8E60-1995-C284F62D16DD}"/>
+              </a:ext>
+            </a:extLst>
+          </p:cNvPr>
+          <p:cNvSpPr/>
+          <p:nvPr/>
+        </p:nvSpPr>
+        <p:spPr>
+          <a:xfrm>
+            <a:off x="2429065" y="2279004"/>
+            <a:ext cx="1782147" cy="592519"/>
+          </a:xfrm>
+          <a:prstGeom prst="wedgeRoundRectCallout">
+            <a:avLst>
+              <a:gd name="adj1" fmla="val 63747"/>
+              <a:gd name="adj2" fmla="val 104998"/>
+              <a:gd name="adj3" fmla="val 16667"/>
+            </a:avLst>
+          </a:prstGeom>
+        </p:spPr>
+        <p:style>
+          <a:lnRef idx="1">
+            <a:schemeClr val="accent2"/>
+          </a:lnRef>
+          <a:fillRef idx="2">
+            <a:schemeClr val="accent2"/>
+          </a:fillRef>
+          <a:effectRef idx="1">
+            <a:schemeClr val="accent2"/>
+          </a:effectRef>
+          <a:fontRef idx="minor">
+            <a:schemeClr val="dk1"/>
+          </a:fontRef>
+        </p:style>
+        <p:txBody>
+          <a:bodyPr rtlCol="0" anchor="ctr"/>
+          <a:lstStyle/>
+          <a:p>
+            <a:pPr algn="ctr"/>
+            <a:r>
+              <a:rPr lang="en-US" altLang="ja-JP" sz="1600" dirty="0"/>
+              <a:t>Inverter</a:t>
+            </a:r>
+            <a:r>
+              <a:rPr lang="ja-JP" altLang="en-US" sz="1600" dirty="0"/>
+              <a:t>回路</a:t>
+            </a:r>
+            <a:endParaRPr kumimoji="1" lang="en-US" altLang="ja-JP" sz="1600" dirty="0"/>
+          </a:p>
+          <a:p>
+            <a:pPr algn="ctr"/>
+            <a:r>
+              <a:rPr kumimoji="1" lang="en-US" altLang="ja-JP" sz="1600" dirty="0"/>
+              <a:t>FOREST</a:t>
+            </a:r>
+            <a:endParaRPr kumimoji="1" lang="ja-JP" altLang="en-US" sz="1600" dirty="0"/>
+          </a:p>
+        </p:txBody>
+      </p:sp>
+      <p:sp>
+        <p:nvSpPr>
+          <p:cNvPr id="14" name="吹き出し: 角を丸めた四角形 13">
+            <a:extLst>
+              <a:ext uri="{FF2B5EF4-FFF2-40B4-BE49-F238E27FC236}">
+                <a16:creationId xmlns:a16="http://schemas.microsoft.com/office/drawing/2014/main" id="{20C3FFD3-B2A5-E9AE-44D0-831B6A0C1926}"/>
+              </a:ext>
+            </a:extLst>
+          </p:cNvPr>
+          <p:cNvSpPr/>
+          <p:nvPr/>
+        </p:nvSpPr>
+        <p:spPr>
+          <a:xfrm>
+            <a:off x="2429066" y="3434431"/>
+            <a:ext cx="1782147" cy="592519"/>
+          </a:xfrm>
+          <a:prstGeom prst="wedgeRoundRectCallout">
+            <a:avLst>
+              <a:gd name="adj1" fmla="val 63747"/>
+              <a:gd name="adj2" fmla="val 104998"/>
+              <a:gd name="adj3" fmla="val 16667"/>
+            </a:avLst>
+          </a:prstGeom>
+        </p:spPr>
+        <p:style>
+          <a:lnRef idx="1">
+            <a:schemeClr val="accent2"/>
+          </a:lnRef>
+          <a:fillRef idx="2">
+            <a:schemeClr val="accent2"/>
+          </a:fillRef>
+          <a:effectRef idx="1">
+            <a:schemeClr val="accent2"/>
+          </a:effectRef>
+          <a:fontRef idx="minor">
+            <a:schemeClr val="dk1"/>
+          </a:fontRef>
+        </p:style>
+        <p:txBody>
+          <a:bodyPr rtlCol="0" anchor="ctr"/>
+          <a:lstStyle/>
+          <a:p>
+            <a:pPr algn="ctr"/>
+            <a:r>
+              <a:rPr lang="en-US" altLang="ja-JP" sz="1600" dirty="0"/>
+              <a:t>Inverter</a:t>
+            </a:r>
+            <a:r>
+              <a:rPr lang="ja-JP" altLang="en-US" sz="1600" dirty="0"/>
+              <a:t>回路</a:t>
+            </a:r>
+            <a:endParaRPr kumimoji="1" lang="en-US" altLang="ja-JP" sz="1600" dirty="0"/>
+          </a:p>
+          <a:p>
+            <a:pPr algn="ctr"/>
+            <a:r>
+              <a:rPr kumimoji="1" lang="en-US" altLang="ja-JP" sz="1600" dirty="0"/>
+              <a:t>hiro-ogawa</a:t>
+            </a:r>
+            <a:endParaRPr kumimoji="1" lang="ja-JP" altLang="en-US" sz="1600" dirty="0"/>
+          </a:p>
+        </p:txBody>
+      </p:sp>
+      <p:sp>
+        <p:nvSpPr>
+          <p:cNvPr id="15" name="吹き出し: 角を丸めた四角形 14">
+            <a:extLst>
+              <a:ext uri="{FF2B5EF4-FFF2-40B4-BE49-F238E27FC236}">
+                <a16:creationId xmlns:a16="http://schemas.microsoft.com/office/drawing/2014/main" id="{06A62154-D24C-0C71-E7C3-E28DDF9BB8C8}"/>
+              </a:ext>
+            </a:extLst>
+          </p:cNvPr>
+          <p:cNvSpPr/>
+          <p:nvPr/>
+        </p:nvSpPr>
+        <p:spPr>
+          <a:xfrm>
+            <a:off x="2429066" y="4472096"/>
+            <a:ext cx="1782147" cy="592519"/>
+          </a:xfrm>
+          <a:prstGeom prst="wedgeRoundRectCallout">
+            <a:avLst>
+              <a:gd name="adj1" fmla="val 66627"/>
+              <a:gd name="adj2" fmla="val 100274"/>
+              <a:gd name="adj3" fmla="val 16667"/>
+            </a:avLst>
+          </a:prstGeom>
+        </p:spPr>
+        <p:style>
+          <a:lnRef idx="1">
+            <a:schemeClr val="accent2"/>
+          </a:lnRef>
+          <a:fillRef idx="2">
+            <a:schemeClr val="accent2"/>
+          </a:fillRef>
+          <a:effectRef idx="1">
+            <a:schemeClr val="accent2"/>
+          </a:effectRef>
+          <a:fontRef idx="minor">
+            <a:schemeClr val="dk1"/>
+          </a:fontRef>
+        </p:style>
+        <p:txBody>
+          <a:bodyPr rtlCol="0" anchor="ctr"/>
+          <a:lstStyle/>
+          <a:p>
+            <a:pPr algn="ctr"/>
+            <a:r>
+              <a:rPr lang="en-US" altLang="ja-JP" sz="1600" dirty="0"/>
+              <a:t>Inverter</a:t>
+            </a:r>
+            <a:r>
+              <a:rPr lang="ja-JP" altLang="en-US" sz="1600" dirty="0"/>
+              <a:t>回路</a:t>
+            </a:r>
+            <a:endParaRPr kumimoji="1" lang="en-US" altLang="ja-JP" sz="1600" dirty="0"/>
+          </a:p>
+          <a:p>
+            <a:pPr algn="ctr"/>
+            <a:r>
+              <a:rPr kumimoji="1" lang="en-US" altLang="ja-JP" sz="1600" dirty="0"/>
+              <a:t>hyumanase</a:t>
+            </a:r>
+            <a:endParaRPr kumimoji="1" lang="ja-JP" altLang="en-US" sz="1600" dirty="0"/>
+          </a:p>
+        </p:txBody>
+      </p:sp>
+      <p:sp>
+        <p:nvSpPr>
+          <p:cNvPr id="16" name="吹き出し: 角を丸めた四角形 15">
+            <a:extLst>
+              <a:ext uri="{FF2B5EF4-FFF2-40B4-BE49-F238E27FC236}">
+                <a16:creationId xmlns:a16="http://schemas.microsoft.com/office/drawing/2014/main" id="{BAC60A09-4093-DB7E-98E0-88E3F909B13D}"/>
+              </a:ext>
+            </a:extLst>
+          </p:cNvPr>
+          <p:cNvSpPr/>
+          <p:nvPr/>
+        </p:nvSpPr>
+        <p:spPr>
+          <a:xfrm>
+            <a:off x="9428671" y="2451736"/>
+            <a:ext cx="1782147" cy="592519"/>
+          </a:xfrm>
+          <a:prstGeom prst="wedgeRoundRectCallout">
+            <a:avLst>
+              <a:gd name="adj1" fmla="val -73427"/>
+              <a:gd name="adj2" fmla="val 86101"/>
+              <a:gd name="adj3" fmla="val 16667"/>
+            </a:avLst>
+          </a:prstGeom>
+        </p:spPr>
+        <p:style>
+          <a:lnRef idx="1">
+            <a:schemeClr val="accent2"/>
+          </a:lnRef>
+          <a:fillRef idx="2">
+            <a:schemeClr val="accent2"/>
+          </a:fillRef>
+          <a:effectRef idx="1">
+            <a:schemeClr val="accent2"/>
+          </a:effectRef>
+          <a:fontRef idx="minor">
+            <a:schemeClr val="dk1"/>
+          </a:fontRef>
+        </p:style>
+        <p:txBody>
+          <a:bodyPr rtlCol="0" anchor="ctr"/>
+          <a:lstStyle/>
+          <a:p>
+            <a:pPr algn="ctr"/>
+            <a:r>
+              <a:rPr lang="en-US" altLang="ja-JP" sz="1600" dirty="0"/>
+              <a:t>Inverter</a:t>
+            </a:r>
+            <a:r>
+              <a:rPr lang="ja-JP" altLang="en-US" sz="1600" dirty="0"/>
+              <a:t>回路</a:t>
+            </a:r>
+            <a:endParaRPr kumimoji="1" lang="en-US" altLang="ja-JP" sz="1600" dirty="0"/>
+          </a:p>
+          <a:p>
+            <a:pPr algn="ctr"/>
+            <a:r>
+              <a:rPr kumimoji="1" lang="en-US" altLang="ja-JP" sz="1600" dirty="0"/>
+              <a:t>monmonmon</a:t>
+            </a:r>
+            <a:endParaRPr kumimoji="1" lang="ja-JP" altLang="en-US" sz="1600" dirty="0"/>
+          </a:p>
+        </p:txBody>
+      </p:sp>
+      <p:sp>
+        <p:nvSpPr>
+          <p:cNvPr id="17" name="吹き出し: 角を丸めた四角形 16">
+            <a:extLst>
+              <a:ext uri="{FF2B5EF4-FFF2-40B4-BE49-F238E27FC236}">
+                <a16:creationId xmlns:a16="http://schemas.microsoft.com/office/drawing/2014/main" id="{7E541E77-ED14-542F-8546-05B2DCE76D7E}"/>
+              </a:ext>
+            </a:extLst>
+          </p:cNvPr>
+          <p:cNvSpPr/>
+          <p:nvPr/>
+        </p:nvSpPr>
+        <p:spPr>
+          <a:xfrm>
+            <a:off x="9428670" y="3562708"/>
+            <a:ext cx="1782147" cy="592519"/>
+          </a:xfrm>
+          <a:prstGeom prst="wedgeRoundRectCallout">
+            <a:avLst>
+              <a:gd name="adj1" fmla="val -73427"/>
+              <a:gd name="adj2" fmla="val 86101"/>
+              <a:gd name="adj3" fmla="val 16667"/>
+            </a:avLst>
+          </a:prstGeom>
+        </p:spPr>
+        <p:style>
+          <a:lnRef idx="1">
+            <a:schemeClr val="accent2"/>
+          </a:lnRef>
+          <a:fillRef idx="2">
+            <a:schemeClr val="accent2"/>
+          </a:fillRef>
+          <a:effectRef idx="1">
+            <a:schemeClr val="accent2"/>
+          </a:effectRef>
+          <a:fontRef idx="minor">
+            <a:schemeClr val="dk1"/>
+          </a:fontRef>
+        </p:style>
+        <p:txBody>
+          <a:bodyPr rtlCol="0" anchor="ctr"/>
+          <a:lstStyle/>
+          <a:p>
+            <a:pPr algn="ctr"/>
+            <a:r>
+              <a:rPr lang="en-US" altLang="ja-JP" sz="1600" dirty="0"/>
+              <a:t>Inverter</a:t>
+            </a:r>
+            <a:r>
+              <a:rPr lang="ja-JP" altLang="en-US" sz="1600" dirty="0"/>
+              <a:t>回路</a:t>
+            </a:r>
+            <a:endParaRPr kumimoji="1" lang="en-US" altLang="ja-JP" sz="1600" dirty="0"/>
+          </a:p>
+          <a:p>
+            <a:pPr algn="ctr"/>
+            <a:r>
+              <a:rPr kumimoji="1" lang="en-US" altLang="ja-JP" sz="1600" dirty="0"/>
+              <a:t>matsumoto325</a:t>
+            </a:r>
+            <a:endParaRPr kumimoji="1" lang="ja-JP" altLang="en-US" sz="1600" dirty="0"/>
+          </a:p>
+        </p:txBody>
+      </p:sp>
+      <p:sp>
+        <p:nvSpPr>
+          <p:cNvPr id="18" name="吹き出し: 角を丸めた四角形 17">
+            <a:extLst>
+              <a:ext uri="{FF2B5EF4-FFF2-40B4-BE49-F238E27FC236}">
+                <a16:creationId xmlns:a16="http://schemas.microsoft.com/office/drawing/2014/main" id="{BD93C24C-3D27-EAA4-EEAB-F904134E7850}"/>
+              </a:ext>
+            </a:extLst>
+          </p:cNvPr>
+          <p:cNvSpPr/>
+          <p:nvPr/>
+        </p:nvSpPr>
+        <p:spPr>
+          <a:xfrm>
+            <a:off x="7086490" y="2956962"/>
+            <a:ext cx="1391785" cy="592519"/>
+          </a:xfrm>
+          <a:prstGeom prst="wedgeRoundRectCallout">
+            <a:avLst>
+              <a:gd name="adj1" fmla="val 26309"/>
+              <a:gd name="adj2" fmla="val 165216"/>
+              <a:gd name="adj3" fmla="val 16667"/>
+            </a:avLst>
+          </a:prstGeom>
+        </p:spPr>
+        <p:style>
+          <a:lnRef idx="1">
+            <a:schemeClr val="accent6"/>
+          </a:lnRef>
+          <a:fillRef idx="2">
+            <a:schemeClr val="accent6"/>
+          </a:fillRef>
+          <a:effectRef idx="1">
+            <a:schemeClr val="accent6"/>
+          </a:effectRef>
+          <a:fontRef idx="minor">
+            <a:schemeClr val="dk1"/>
+          </a:fontRef>
+        </p:style>
+        <p:txBody>
+          <a:bodyPr rtlCol="0" anchor="ctr"/>
+          <a:lstStyle/>
+          <a:p>
+            <a:pPr algn="ctr"/>
+            <a:r>
+              <a:rPr kumimoji="1" lang="en-US" altLang="ja-JP" sz="1600" dirty="0"/>
+              <a:t>D</a:t>
+            </a:r>
+            <a:r>
+              <a:rPr kumimoji="1" lang="ja-JP" altLang="en-US" sz="1600" dirty="0"/>
+              <a:t>ラッチ</a:t>
+            </a:r>
+            <a:endParaRPr kumimoji="1" lang="en-US" altLang="ja-JP" sz="1600" dirty="0"/>
+          </a:p>
+          <a:p>
+            <a:pPr algn="ctr"/>
+            <a:r>
+              <a:rPr lang="en-US" altLang="ja-JP" sz="1600" dirty="0"/>
+              <a:t>dokunira</a:t>
+            </a:r>
+            <a:endParaRPr kumimoji="1" lang="ja-JP" altLang="en-US" sz="1600" dirty="0"/>
+          </a:p>
+        </p:txBody>
+      </p:sp>
+      <p:sp>
+        <p:nvSpPr>
+          <p:cNvPr id="3" name="吹き出し: 角を丸めた四角形 2">
+            <a:extLst>
+              <a:ext uri="{FF2B5EF4-FFF2-40B4-BE49-F238E27FC236}">
+                <a16:creationId xmlns:a16="http://schemas.microsoft.com/office/drawing/2014/main" id="{6D84DA2E-6B30-3A3C-5241-50266C81EC4C}"/>
+              </a:ext>
+            </a:extLst>
+          </p:cNvPr>
+          <p:cNvSpPr/>
+          <p:nvPr/>
+        </p:nvSpPr>
+        <p:spPr>
+          <a:xfrm>
+            <a:off x="5448016" y="4120598"/>
+            <a:ext cx="2024241" cy="592519"/>
+          </a:xfrm>
+          <a:prstGeom prst="wedgeRoundRectCallout">
+            <a:avLst>
+              <a:gd name="adj1" fmla="val -8561"/>
+              <a:gd name="adj2" fmla="val 122209"/>
+              <a:gd name="adj3" fmla="val 16667"/>
+            </a:avLst>
+          </a:prstGeom>
+        </p:spPr>
+        <p:style>
+          <a:lnRef idx="1">
+            <a:schemeClr val="accent6"/>
+          </a:lnRef>
+          <a:fillRef idx="2">
+            <a:schemeClr val="accent6"/>
+          </a:fillRef>
+          <a:effectRef idx="1">
+            <a:schemeClr val="accent6"/>
+          </a:effectRef>
+          <a:fontRef idx="minor">
+            <a:schemeClr val="dk1"/>
+          </a:fontRef>
+        </p:style>
+        <p:txBody>
+          <a:bodyPr rtlCol="0" anchor="ctr"/>
+          <a:lstStyle/>
+          <a:p>
+            <a:pPr algn="ctr"/>
+            <a:r>
+              <a:rPr lang="ja-JP" altLang="en-US" sz="1600" dirty="0"/>
+              <a:t>昇圧</a:t>
+            </a:r>
+            <a:r>
+              <a:rPr kumimoji="1" lang="ja-JP" altLang="en-US" sz="1600" dirty="0"/>
+              <a:t>型</a:t>
+            </a:r>
+            <a:r>
+              <a:rPr kumimoji="1" lang="en-US" altLang="ja-JP" sz="1600" dirty="0"/>
+              <a:t>DCDC</a:t>
+            </a:r>
+          </a:p>
+          <a:p>
+            <a:pPr algn="ctr"/>
+            <a:r>
+              <a:rPr lang="en-US" altLang="ja-JP" sz="1600" dirty="0"/>
+              <a:t>s</a:t>
+            </a:r>
+            <a:r>
+              <a:rPr kumimoji="1" lang="en-US" altLang="ja-JP" sz="1600" dirty="0"/>
+              <a:t>ebasu&amp;</a:t>
+            </a:r>
+            <a:r>
+              <a:rPr lang="en-US" altLang="ja-JP" sz="1600" dirty="0"/>
+              <a:t>akapochi</a:t>
+            </a:r>
+            <a:endParaRPr kumimoji="1" lang="ja-JP" altLang="en-US" sz="1600" dirty="0"/>
+          </a:p>
+        </p:txBody>
+      </p:sp>
+    </p:spTree>
+    <p:extLst>
+      <p:ext uri="{BB962C8B-B14F-4D97-AF65-F5344CB8AC3E}">
+        <p14:creationId xmlns:p14="http://schemas.microsoft.com/office/powerpoint/2010/main" val="3428104022"/>
+      </p:ext>
+    </p:extLst>
+  </p:cSld>
+  <p:clrMapOvr>
+    <a:masterClrMapping/>
+  </p:clrMapOvr>
+</p:sld>
+</file>
+
+<file path=ppt/slides/slide3.xml><?xml version="1.0" encoding="utf-8"?>
+<p:sld xmlns:a="http://schemas.openxmlformats.org/drawingml/2006/main" xmlns:r="http://schemas.openxmlformats.org/officeDocument/2006/relationships" xmlns:p="http://schemas.openxmlformats.org/presentationml/2006/main">
+  <p:cSld>
+    <p:spTree>
+      <p:nvGrpSpPr>
+        <p:cNvPr id="1" name=""/>
+        <p:cNvGrpSpPr/>
+        <p:nvPr/>
+      </p:nvGrpSpPr>
+      <p:grpSpPr>
+        <a:xfrm>
+          <a:off x="0" y="0"/>
+          <a:ext cx="0" cy="0"/>
+          <a:chOff x="0" y="0"/>
+          <a:chExt cx="0" cy="0"/>
+        </a:xfrm>
+      </p:grpSpPr>
+      <p:pic>
+        <p:nvPicPr>
+          <p:cNvPr id="3" name="図 2" descr="スコアボード, 回路 が含まれている画像&#10;&#10;自動的に生成された説明">
+            <a:extLst>
+              <a:ext uri="{FF2B5EF4-FFF2-40B4-BE49-F238E27FC236}">
+                <a16:creationId xmlns:a16="http://schemas.microsoft.com/office/drawing/2014/main" id="{E570E210-BA3A-3B3A-E3BA-2CC3AF089713}"/>
+              </a:ext>
+            </a:extLst>
+          </p:cNvPr>
+          <p:cNvPicPr>
+            <a:picLocks noChangeAspect="1"/>
+          </p:cNvPicPr>
+          <p:nvPr/>
+        </p:nvPicPr>
+        <p:blipFill>
+          <a:blip r:embed="rId2">
+            <a:extLst>
+              <a:ext uri="{28A0092B-C50C-407E-A947-70E740481C1C}">
+                <a14:useLocalDpi xmlns:a14="http://schemas.microsoft.com/office/drawing/2010/main" val="0"/>
+              </a:ext>
+            </a:extLst>
+          </a:blip>
+          <a:stretch>
+            <a:fillRect/>
+          </a:stretch>
+        </p:blipFill>
+        <p:spPr>
+          <a:xfrm>
+            <a:off x="3320141" y="0"/>
+            <a:ext cx="6829544" cy="6858000"/>
+          </a:xfrm>
+          <a:prstGeom prst="rect">
+            <a:avLst/>
+          </a:prstGeom>
+        </p:spPr>
+      </p:pic>
+      <p:sp>
+        <p:nvSpPr>
+          <p:cNvPr id="6" name="吹き出し: 角を丸めた四角形 5">
+            <a:extLst>
+              <a:ext uri="{FF2B5EF4-FFF2-40B4-BE49-F238E27FC236}">
+                <a16:creationId xmlns:a16="http://schemas.microsoft.com/office/drawing/2014/main" id="{6A5AE41B-C9C9-1E5F-FBD5-C54434B50D6F}"/>
+              </a:ext>
+            </a:extLst>
+          </p:cNvPr>
+          <p:cNvSpPr/>
+          <p:nvPr/>
+        </p:nvSpPr>
+        <p:spPr>
+          <a:xfrm>
+            <a:off x="3899232" y="504029"/>
+            <a:ext cx="1782147" cy="592519"/>
+          </a:xfrm>
+          <a:prstGeom prst="wedgeRoundRectCallout">
+            <a:avLst>
+              <a:gd name="adj1" fmla="val 68286"/>
+              <a:gd name="adj2" fmla="val 129969"/>
+              <a:gd name="adj3" fmla="val 16667"/>
+            </a:avLst>
+          </a:prstGeom>
+        </p:spPr>
+        <p:style>
+          <a:lnRef idx="1">
+            <a:schemeClr val="accent6"/>
+          </a:lnRef>
+          <a:fillRef idx="2">
+            <a:schemeClr val="accent6"/>
+          </a:fillRef>
+          <a:effectRef idx="1">
+            <a:schemeClr val="accent6"/>
+          </a:effectRef>
+          <a:fontRef idx="minor">
+            <a:schemeClr val="dk1"/>
+          </a:fontRef>
+        </p:style>
+        <p:txBody>
+          <a:bodyPr rtlCol="0" anchor="ctr"/>
+          <a:lstStyle/>
+          <a:p>
+            <a:pPr algn="ctr"/>
+            <a:r>
+              <a:rPr kumimoji="1" lang="ja-JP" altLang="en-US" sz="1600" dirty="0"/>
+              <a:t>降圧型</a:t>
+            </a:r>
+            <a:r>
+              <a:rPr kumimoji="1" lang="en-US" altLang="ja-JP" sz="1600" dirty="0"/>
+              <a:t>DCDC</a:t>
+            </a:r>
+          </a:p>
+          <a:p>
+            <a:pPr algn="ctr"/>
+            <a:r>
+              <a:rPr lang="en-US" altLang="ja-JP" sz="1600" dirty="0"/>
+              <a:t>lufe&amp;noritsuna</a:t>
+            </a:r>
+            <a:endParaRPr kumimoji="1" lang="ja-JP" altLang="en-US" sz="1600" dirty="0"/>
+          </a:p>
+        </p:txBody>
+      </p:sp>
+      <p:sp>
+        <p:nvSpPr>
+          <p:cNvPr id="7" name="吹き出し: 角を丸めた四角形 6">
+            <a:extLst>
+              <a:ext uri="{FF2B5EF4-FFF2-40B4-BE49-F238E27FC236}">
+                <a16:creationId xmlns:a16="http://schemas.microsoft.com/office/drawing/2014/main" id="{3B198771-4106-F60E-00F7-4FFD8AC4018D}"/>
+              </a:ext>
+            </a:extLst>
+          </p:cNvPr>
+          <p:cNvSpPr/>
+          <p:nvPr/>
+        </p:nvSpPr>
+        <p:spPr>
+          <a:xfrm>
+            <a:off x="5749144" y="427563"/>
+            <a:ext cx="1549983" cy="592519"/>
+          </a:xfrm>
+          <a:prstGeom prst="wedgeRoundRectCallout">
+            <a:avLst>
+              <a:gd name="adj1" fmla="val 99303"/>
+              <a:gd name="adj2" fmla="val 107795"/>
+              <a:gd name="adj3" fmla="val 16667"/>
+            </a:avLst>
+          </a:prstGeom>
+        </p:spPr>
+        <p:style>
+          <a:lnRef idx="1">
+            <a:schemeClr val="accent2"/>
+          </a:lnRef>
+          <a:fillRef idx="2">
+            <a:schemeClr val="accent2"/>
+          </a:fillRef>
+          <a:effectRef idx="1">
+            <a:schemeClr val="accent2"/>
+          </a:effectRef>
+          <a:fontRef idx="minor">
+            <a:schemeClr val="dk1"/>
+          </a:fontRef>
+        </p:style>
+        <p:txBody>
+          <a:bodyPr rtlCol="0" anchor="ctr"/>
+          <a:lstStyle/>
+          <a:p>
+            <a:pPr algn="ctr"/>
+            <a:r>
+              <a:rPr lang="en-US" altLang="ja-JP" sz="1600" dirty="0"/>
+              <a:t>Inverter</a:t>
+            </a:r>
+            <a:r>
+              <a:rPr lang="ja-JP" altLang="en-US" sz="1600" dirty="0"/>
+              <a:t>回路</a:t>
+            </a:r>
+            <a:endParaRPr kumimoji="1" lang="en-US" altLang="ja-JP" sz="1600" dirty="0"/>
+          </a:p>
+          <a:p>
+            <a:pPr algn="ctr"/>
+            <a:r>
+              <a:rPr kumimoji="1" lang="en-US" altLang="ja-JP" sz="1600" dirty="0"/>
+              <a:t>xian_DIY</a:t>
+            </a:r>
+            <a:endParaRPr kumimoji="1" lang="ja-JP" altLang="en-US" sz="1600" dirty="0"/>
+          </a:p>
+        </p:txBody>
+      </p:sp>
+      <p:sp>
+        <p:nvSpPr>
+          <p:cNvPr id="8" name="吹き出し: 角を丸めた四角形 7">
+            <a:extLst>
+              <a:ext uri="{FF2B5EF4-FFF2-40B4-BE49-F238E27FC236}">
+                <a16:creationId xmlns:a16="http://schemas.microsoft.com/office/drawing/2014/main" id="{9B56CE1B-25B2-BFC5-2C44-2670E5A6317A}"/>
+              </a:ext>
+            </a:extLst>
+          </p:cNvPr>
+          <p:cNvSpPr/>
+          <p:nvPr/>
+        </p:nvSpPr>
+        <p:spPr>
+          <a:xfrm>
+            <a:off x="7366893" y="213567"/>
+            <a:ext cx="1549983" cy="592519"/>
+          </a:xfrm>
+          <a:prstGeom prst="wedgeRoundRectCallout">
+            <a:avLst>
+              <a:gd name="adj1" fmla="val 45162"/>
+              <a:gd name="adj2" fmla="val 126173"/>
+              <a:gd name="adj3" fmla="val 16667"/>
+            </a:avLst>
+          </a:prstGeom>
+        </p:spPr>
+        <p:style>
+          <a:lnRef idx="1">
+            <a:schemeClr val="accent5"/>
+          </a:lnRef>
+          <a:fillRef idx="2">
+            <a:schemeClr val="accent5"/>
+          </a:fillRef>
+          <a:effectRef idx="1">
+            <a:schemeClr val="accent5"/>
+          </a:effectRef>
+          <a:fontRef idx="minor">
+            <a:schemeClr val="dk1"/>
+          </a:fontRef>
+        </p:style>
+        <p:txBody>
+          <a:bodyPr rtlCol="0" anchor="ctr"/>
+          <a:lstStyle/>
+          <a:p>
+            <a:pPr algn="ctr"/>
+            <a:r>
+              <a:rPr lang="en-US" altLang="ja-JP" sz="1600" dirty="0"/>
+              <a:t>Inverter</a:t>
+            </a:r>
+            <a:r>
+              <a:rPr lang="ja-JP" altLang="en-US" sz="1600" dirty="0"/>
+              <a:t>回路</a:t>
+            </a:r>
+            <a:endParaRPr kumimoji="1" lang="en-US" altLang="ja-JP" sz="1600" dirty="0"/>
+          </a:p>
+          <a:p>
+            <a:pPr algn="ctr"/>
+            <a:r>
+              <a:rPr kumimoji="1" lang="en-US" altLang="ja-JP" sz="1600" dirty="0"/>
+              <a:t>masahiro</a:t>
+            </a:r>
+            <a:endParaRPr kumimoji="1" lang="ja-JP" altLang="en-US" sz="1600" dirty="0"/>
+          </a:p>
+        </p:txBody>
+      </p:sp>
+      <p:sp>
+        <p:nvSpPr>
+          <p:cNvPr id="9" name="吹き出し: 角を丸めた四角形 8">
+            <a:extLst>
+              <a:ext uri="{FF2B5EF4-FFF2-40B4-BE49-F238E27FC236}">
+                <a16:creationId xmlns:a16="http://schemas.microsoft.com/office/drawing/2014/main" id="{079B81C6-4D83-6F33-A4D4-20165F6F834A}"/>
+              </a:ext>
+            </a:extLst>
+          </p:cNvPr>
+          <p:cNvSpPr/>
+          <p:nvPr/>
+        </p:nvSpPr>
+        <p:spPr>
+          <a:xfrm>
+            <a:off x="6628422" y="1826597"/>
+            <a:ext cx="2054289" cy="592519"/>
+          </a:xfrm>
+          <a:prstGeom prst="wedgeRoundRectCallout">
+            <a:avLst>
+              <a:gd name="adj1" fmla="val 55820"/>
+              <a:gd name="adj2" fmla="val -24897"/>
+              <a:gd name="adj3" fmla="val 16667"/>
+            </a:avLst>
+          </a:prstGeom>
+        </p:spPr>
+        <p:style>
+          <a:lnRef idx="1">
+            <a:schemeClr val="accent2"/>
+          </a:lnRef>
+          <a:fillRef idx="2">
+            <a:schemeClr val="accent2"/>
+          </a:fillRef>
+          <a:effectRef idx="1">
+            <a:schemeClr val="accent2"/>
+          </a:effectRef>
+          <a:fontRef idx="minor">
+            <a:schemeClr val="dk1"/>
+          </a:fontRef>
+        </p:style>
+        <p:txBody>
+          <a:bodyPr rtlCol="0" anchor="ctr"/>
+          <a:lstStyle/>
+          <a:p>
+            <a:pPr algn="ctr"/>
+            <a:r>
+              <a:rPr lang="en-US" altLang="ja-JP" sz="1600" dirty="0"/>
+              <a:t>Inverter</a:t>
+            </a:r>
+            <a:r>
+              <a:rPr lang="ja-JP" altLang="en-US" sz="1600" dirty="0"/>
+              <a:t>回路</a:t>
+            </a:r>
+            <a:endParaRPr kumimoji="1" lang="en-US" altLang="ja-JP" sz="1600" dirty="0"/>
+          </a:p>
+          <a:p>
+            <a:pPr algn="ctr"/>
+            <a:r>
+              <a:rPr kumimoji="1" lang="en-US" altLang="ja-JP" sz="1600" dirty="0"/>
+              <a:t>tomoya_nonymous</a:t>
+            </a:r>
+            <a:endParaRPr kumimoji="1" lang="ja-JP" altLang="en-US" sz="1600" dirty="0"/>
+          </a:p>
+        </p:txBody>
+      </p:sp>
+      <p:sp>
+        <p:nvSpPr>
+          <p:cNvPr id="11" name="吹き出し: 角を丸めた四角形 10">
+            <a:extLst>
+              <a:ext uri="{FF2B5EF4-FFF2-40B4-BE49-F238E27FC236}">
+                <a16:creationId xmlns:a16="http://schemas.microsoft.com/office/drawing/2014/main" id="{91DC977F-14F3-4754-C6F7-B7CEDA7EDA77}"/>
+              </a:ext>
+            </a:extLst>
+          </p:cNvPr>
+          <p:cNvSpPr/>
+          <p:nvPr/>
+        </p:nvSpPr>
+        <p:spPr>
+          <a:xfrm>
+            <a:off x="6852820" y="5567383"/>
+            <a:ext cx="2024241" cy="592519"/>
+          </a:xfrm>
+          <a:prstGeom prst="wedgeRoundRectCallout">
+            <a:avLst>
+              <a:gd name="adj1" fmla="val -54491"/>
+              <a:gd name="adj2" fmla="val -90741"/>
+              <a:gd name="adj3" fmla="val 16667"/>
+            </a:avLst>
+          </a:prstGeom>
+        </p:spPr>
+        <p:style>
+          <a:lnRef idx="1">
+            <a:schemeClr val="accent6"/>
+          </a:lnRef>
+          <a:fillRef idx="2">
+            <a:schemeClr val="accent6"/>
+          </a:fillRef>
+          <a:effectRef idx="1">
+            <a:schemeClr val="accent6"/>
+          </a:effectRef>
+          <a:fontRef idx="minor">
+            <a:schemeClr val="dk1"/>
+          </a:fontRef>
+        </p:style>
+        <p:txBody>
+          <a:bodyPr rtlCol="0" anchor="ctr"/>
+          <a:lstStyle/>
+          <a:p>
+            <a:pPr algn="ctr"/>
+            <a:r>
+              <a:rPr lang="ja-JP" altLang="en-US" sz="1600" dirty="0"/>
+              <a:t>昇圧</a:t>
+            </a:r>
+            <a:r>
+              <a:rPr kumimoji="1" lang="ja-JP" altLang="en-US" sz="1600" dirty="0"/>
+              <a:t>型</a:t>
+            </a:r>
+            <a:r>
+              <a:rPr kumimoji="1" lang="en-US" altLang="ja-JP" sz="1600" dirty="0"/>
+              <a:t>DCDC</a:t>
+            </a:r>
+          </a:p>
+          <a:p>
+            <a:pPr algn="ctr"/>
+            <a:r>
+              <a:rPr lang="en-US" altLang="ja-JP" sz="1600" dirty="0"/>
+              <a:t>s</a:t>
+            </a:r>
+            <a:r>
+              <a:rPr kumimoji="1" lang="en-US" altLang="ja-JP" sz="1600" dirty="0"/>
+              <a:t>ebasu&amp;</a:t>
+            </a:r>
+            <a:r>
+              <a:rPr lang="en-US" altLang="ja-JP" sz="1600" dirty="0"/>
+              <a:t>akapochi</a:t>
+            </a:r>
+            <a:endParaRPr kumimoji="1" lang="ja-JP" altLang="en-US" sz="1600" dirty="0"/>
+          </a:p>
+        </p:txBody>
+      </p:sp>
+      <p:sp>
+        <p:nvSpPr>
+          <p:cNvPr id="12" name="吹き出し: 角を丸めた四角形 11">
+            <a:extLst>
+              <a:ext uri="{FF2B5EF4-FFF2-40B4-BE49-F238E27FC236}">
+                <a16:creationId xmlns:a16="http://schemas.microsoft.com/office/drawing/2014/main" id="{8AB10457-0AB3-0700-C2CD-7C42FEE9C87A}"/>
+              </a:ext>
+            </a:extLst>
+          </p:cNvPr>
+          <p:cNvSpPr/>
+          <p:nvPr/>
+        </p:nvSpPr>
+        <p:spPr>
+          <a:xfrm>
+            <a:off x="4806855" y="1828182"/>
+            <a:ext cx="1782147" cy="592519"/>
+          </a:xfrm>
+          <a:prstGeom prst="wedgeRoundRectCallout">
+            <a:avLst>
+              <a:gd name="adj1" fmla="val -60656"/>
+              <a:gd name="adj2" fmla="val -26910"/>
+              <a:gd name="adj3" fmla="val 16667"/>
+            </a:avLst>
+          </a:prstGeom>
+        </p:spPr>
+        <p:style>
+          <a:lnRef idx="1">
+            <a:schemeClr val="accent2"/>
+          </a:lnRef>
+          <a:fillRef idx="2">
+            <a:schemeClr val="accent2"/>
+          </a:fillRef>
+          <a:effectRef idx="1">
+            <a:schemeClr val="accent2"/>
+          </a:effectRef>
+          <a:fontRef idx="minor">
+            <a:schemeClr val="dk1"/>
+          </a:fontRef>
+        </p:style>
+        <p:txBody>
+          <a:bodyPr rtlCol="0" anchor="ctr"/>
+          <a:lstStyle/>
+          <a:p>
+            <a:pPr algn="ctr"/>
+            <a:r>
+              <a:rPr lang="en-US" altLang="ja-JP" sz="1600" dirty="0"/>
+              <a:t>Inverter</a:t>
+            </a:r>
+            <a:r>
+              <a:rPr lang="ja-JP" altLang="en-US" sz="1600" dirty="0"/>
+              <a:t>回路</a:t>
+            </a:r>
+            <a:endParaRPr kumimoji="1" lang="en-US" altLang="ja-JP" sz="1600" dirty="0"/>
+          </a:p>
+          <a:p>
+            <a:pPr algn="ctr"/>
+            <a:r>
+              <a:rPr kumimoji="1" lang="en-US" altLang="ja-JP" sz="1600" dirty="0"/>
+              <a:t>dokunira</a:t>
+            </a:r>
+            <a:endParaRPr kumimoji="1" lang="ja-JP" altLang="en-US" sz="1600" dirty="0"/>
+          </a:p>
+        </p:txBody>
+      </p:sp>
+      <p:sp>
+        <p:nvSpPr>
+          <p:cNvPr id="13" name="吹き出し: 角を丸めた四角形 12">
+            <a:extLst>
+              <a:ext uri="{FF2B5EF4-FFF2-40B4-BE49-F238E27FC236}">
+                <a16:creationId xmlns:a16="http://schemas.microsoft.com/office/drawing/2014/main" id="{BAE7B505-8813-C44D-C8A1-5FB4E2BAA051}"/>
+              </a:ext>
+            </a:extLst>
+          </p:cNvPr>
+          <p:cNvSpPr/>
+          <p:nvPr/>
+        </p:nvSpPr>
+        <p:spPr>
+          <a:xfrm>
+            <a:off x="4806855" y="2505845"/>
+            <a:ext cx="1782147" cy="592519"/>
+          </a:xfrm>
+          <a:prstGeom prst="wedgeRoundRectCallout">
+            <a:avLst>
+              <a:gd name="adj1" fmla="val -59796"/>
+              <a:gd name="adj2" fmla="val 64477"/>
+              <a:gd name="adj3" fmla="val 16667"/>
+            </a:avLst>
+          </a:prstGeom>
+        </p:spPr>
+        <p:style>
+          <a:lnRef idx="1">
+            <a:schemeClr val="accent2"/>
+          </a:lnRef>
+          <a:fillRef idx="2">
+            <a:schemeClr val="accent2"/>
+          </a:fillRef>
+          <a:effectRef idx="1">
+            <a:schemeClr val="accent2"/>
+          </a:effectRef>
+          <a:fontRef idx="minor">
+            <a:schemeClr val="dk1"/>
+          </a:fontRef>
+        </p:style>
+        <p:txBody>
+          <a:bodyPr rtlCol="0" anchor="ctr"/>
+          <a:lstStyle/>
+          <a:p>
+            <a:pPr algn="ctr"/>
+            <a:r>
+              <a:rPr lang="en-US" altLang="ja-JP" sz="1600" dirty="0"/>
+              <a:t>Inverter</a:t>
+            </a:r>
+            <a:r>
+              <a:rPr lang="ja-JP" altLang="en-US" sz="1600" dirty="0"/>
+              <a:t>回路</a:t>
+            </a:r>
+            <a:endParaRPr kumimoji="1" lang="en-US" altLang="ja-JP" sz="1600" dirty="0"/>
+          </a:p>
+          <a:p>
+            <a:pPr algn="ctr"/>
+            <a:r>
+              <a:rPr kumimoji="1" lang="en-US" altLang="ja-JP" sz="1600" dirty="0"/>
+              <a:t>FOREST</a:t>
+            </a:r>
+            <a:endParaRPr kumimoji="1" lang="ja-JP" altLang="en-US" sz="1600" dirty="0"/>
+          </a:p>
+        </p:txBody>
+      </p:sp>
+      <p:sp>
+        <p:nvSpPr>
+          <p:cNvPr id="14" name="吹き出し: 角を丸めた四角形 13">
+            <a:extLst>
+              <a:ext uri="{FF2B5EF4-FFF2-40B4-BE49-F238E27FC236}">
+                <a16:creationId xmlns:a16="http://schemas.microsoft.com/office/drawing/2014/main" id="{DFF36A51-2DB4-4296-4612-850A13396C36}"/>
+              </a:ext>
+            </a:extLst>
+          </p:cNvPr>
+          <p:cNvSpPr/>
+          <p:nvPr/>
+        </p:nvSpPr>
+        <p:spPr>
+          <a:xfrm>
+            <a:off x="4806855" y="3288968"/>
+            <a:ext cx="1782147" cy="592519"/>
+          </a:xfrm>
+          <a:prstGeom prst="wedgeRoundRectCallout">
+            <a:avLst>
+              <a:gd name="adj1" fmla="val -63809"/>
+              <a:gd name="adj2" fmla="val 138622"/>
+              <a:gd name="adj3" fmla="val 16667"/>
+            </a:avLst>
+          </a:prstGeom>
+        </p:spPr>
+        <p:style>
+          <a:lnRef idx="1">
+            <a:schemeClr val="accent2"/>
+          </a:lnRef>
+          <a:fillRef idx="2">
+            <a:schemeClr val="accent2"/>
+          </a:fillRef>
+          <a:effectRef idx="1">
+            <a:schemeClr val="accent2"/>
+          </a:effectRef>
+          <a:fontRef idx="minor">
+            <a:schemeClr val="dk1"/>
+          </a:fontRef>
+        </p:style>
+        <p:txBody>
+          <a:bodyPr rtlCol="0" anchor="ctr"/>
+          <a:lstStyle/>
+          <a:p>
+            <a:pPr algn="ctr"/>
+            <a:r>
+              <a:rPr lang="en-US" altLang="ja-JP" sz="1600" dirty="0"/>
+              <a:t>Inverter</a:t>
+            </a:r>
+            <a:r>
+              <a:rPr lang="ja-JP" altLang="en-US" sz="1600" dirty="0"/>
+              <a:t>回路</a:t>
+            </a:r>
+            <a:endParaRPr kumimoji="1" lang="en-US" altLang="ja-JP" sz="1600" dirty="0"/>
+          </a:p>
+          <a:p>
+            <a:pPr algn="ctr"/>
+            <a:r>
+              <a:rPr kumimoji="1" lang="en-US" altLang="ja-JP" sz="1600" dirty="0"/>
+              <a:t>hiro-ogawa</a:t>
+            </a:r>
+            <a:endParaRPr kumimoji="1" lang="ja-JP" altLang="en-US" sz="1600" dirty="0"/>
+          </a:p>
+        </p:txBody>
+      </p:sp>
+      <p:sp>
+        <p:nvSpPr>
+          <p:cNvPr id="15" name="吹き出し: 角を丸めた四角形 14">
+            <a:extLst>
+              <a:ext uri="{FF2B5EF4-FFF2-40B4-BE49-F238E27FC236}">
+                <a16:creationId xmlns:a16="http://schemas.microsoft.com/office/drawing/2014/main" id="{0C641972-A0BC-6FB0-43DA-B8189EBB16B3}"/>
+              </a:ext>
+            </a:extLst>
+          </p:cNvPr>
+          <p:cNvSpPr/>
+          <p:nvPr/>
+        </p:nvSpPr>
+        <p:spPr>
+          <a:xfrm>
+            <a:off x="4830429" y="4300518"/>
+            <a:ext cx="1782147" cy="592519"/>
+          </a:xfrm>
+          <a:prstGeom prst="wedgeRoundRectCallout">
+            <a:avLst>
+              <a:gd name="adj1" fmla="val -60929"/>
+              <a:gd name="adj2" fmla="val 123552"/>
+              <a:gd name="adj3" fmla="val 16667"/>
+            </a:avLst>
+          </a:prstGeom>
+        </p:spPr>
+        <p:style>
+          <a:lnRef idx="1">
+            <a:schemeClr val="accent2"/>
+          </a:lnRef>
+          <a:fillRef idx="2">
+            <a:schemeClr val="accent2"/>
+          </a:fillRef>
+          <a:effectRef idx="1">
+            <a:schemeClr val="accent2"/>
+          </a:effectRef>
+          <a:fontRef idx="minor">
+            <a:schemeClr val="dk1"/>
+          </a:fontRef>
+        </p:style>
+        <p:txBody>
+          <a:bodyPr rtlCol="0" anchor="ctr"/>
+          <a:lstStyle/>
+          <a:p>
+            <a:pPr algn="ctr"/>
+            <a:r>
+              <a:rPr lang="en-US" altLang="ja-JP" sz="1600" dirty="0"/>
+              <a:t>Inverter</a:t>
+            </a:r>
+            <a:r>
+              <a:rPr lang="ja-JP" altLang="en-US" sz="1600" dirty="0"/>
+              <a:t>回路</a:t>
+            </a:r>
+            <a:endParaRPr kumimoji="1" lang="en-US" altLang="ja-JP" sz="1600" dirty="0"/>
+          </a:p>
+          <a:p>
+            <a:pPr algn="ctr"/>
+            <a:r>
+              <a:rPr kumimoji="1" lang="en-US" altLang="ja-JP" sz="1600" dirty="0"/>
+              <a:t>hyumanase</a:t>
+            </a:r>
+            <a:endParaRPr kumimoji="1" lang="ja-JP" altLang="en-US" sz="1600" dirty="0"/>
+          </a:p>
+        </p:txBody>
+      </p:sp>
+      <p:sp>
+        <p:nvSpPr>
+          <p:cNvPr id="16" name="吹き出し: 角を丸めた四角形 15">
+            <a:extLst>
+              <a:ext uri="{FF2B5EF4-FFF2-40B4-BE49-F238E27FC236}">
+                <a16:creationId xmlns:a16="http://schemas.microsoft.com/office/drawing/2014/main" id="{088DBF94-0FD0-B380-015F-015F4C8845F0}"/>
+              </a:ext>
+            </a:extLst>
+          </p:cNvPr>
+          <p:cNvSpPr/>
+          <p:nvPr/>
+        </p:nvSpPr>
+        <p:spPr>
+          <a:xfrm>
+            <a:off x="6734913" y="2490013"/>
+            <a:ext cx="1782147" cy="592519"/>
+          </a:xfrm>
+          <a:prstGeom prst="wedgeRoundRectCallout">
+            <a:avLst>
+              <a:gd name="adj1" fmla="val 68747"/>
+              <a:gd name="adj2" fmla="val 99033"/>
+              <a:gd name="adj3" fmla="val 16667"/>
+            </a:avLst>
+          </a:prstGeom>
+        </p:spPr>
+        <p:style>
+          <a:lnRef idx="1">
+            <a:schemeClr val="accent2"/>
+          </a:lnRef>
+          <a:fillRef idx="2">
+            <a:schemeClr val="accent2"/>
+          </a:fillRef>
+          <a:effectRef idx="1">
+            <a:schemeClr val="accent2"/>
+          </a:effectRef>
+          <a:fontRef idx="minor">
+            <a:schemeClr val="dk1"/>
+          </a:fontRef>
+        </p:style>
+        <p:txBody>
+          <a:bodyPr rtlCol="0" anchor="ctr"/>
+          <a:lstStyle/>
+          <a:p>
+            <a:pPr algn="ctr"/>
+            <a:r>
+              <a:rPr lang="en-US" altLang="ja-JP" sz="1600" dirty="0"/>
+              <a:t>Inverter</a:t>
+            </a:r>
+            <a:r>
+              <a:rPr lang="ja-JP" altLang="en-US" sz="1600" dirty="0"/>
+              <a:t>回路</a:t>
+            </a:r>
+            <a:endParaRPr kumimoji="1" lang="en-US" altLang="ja-JP" sz="1600" dirty="0"/>
+          </a:p>
+          <a:p>
+            <a:pPr algn="ctr"/>
+            <a:r>
+              <a:rPr kumimoji="1" lang="en-US" altLang="ja-JP" sz="1600" dirty="0"/>
+              <a:t>monmonmon</a:t>
+            </a:r>
+            <a:endParaRPr kumimoji="1" lang="ja-JP" altLang="en-US" sz="1600" dirty="0"/>
+          </a:p>
+        </p:txBody>
+      </p:sp>
+      <p:sp>
+        <p:nvSpPr>
+          <p:cNvPr id="17" name="吹き出し: 角を丸めた四角形 16">
+            <a:extLst>
+              <a:ext uri="{FF2B5EF4-FFF2-40B4-BE49-F238E27FC236}">
+                <a16:creationId xmlns:a16="http://schemas.microsoft.com/office/drawing/2014/main" id="{05D2D264-4FDD-4252-ECEE-35CEDEC02E29}"/>
+              </a:ext>
+            </a:extLst>
+          </p:cNvPr>
+          <p:cNvSpPr/>
+          <p:nvPr/>
+        </p:nvSpPr>
+        <p:spPr>
+          <a:xfrm>
+            <a:off x="6677650" y="3177706"/>
+            <a:ext cx="1782147" cy="592519"/>
+          </a:xfrm>
+          <a:prstGeom prst="wedgeRoundRectCallout">
+            <a:avLst>
+              <a:gd name="adj1" fmla="val 76200"/>
+              <a:gd name="adj2" fmla="val 155073"/>
+              <a:gd name="adj3" fmla="val 16667"/>
+            </a:avLst>
+          </a:prstGeom>
+        </p:spPr>
+        <p:style>
+          <a:lnRef idx="1">
+            <a:schemeClr val="accent2"/>
+          </a:lnRef>
+          <a:fillRef idx="2">
+            <a:schemeClr val="accent2"/>
+          </a:fillRef>
+          <a:effectRef idx="1">
+            <a:schemeClr val="accent2"/>
+          </a:effectRef>
+          <a:fontRef idx="minor">
+            <a:schemeClr val="dk1"/>
+          </a:fontRef>
+        </p:style>
+        <p:txBody>
+          <a:bodyPr rtlCol="0" anchor="ctr"/>
+          <a:lstStyle/>
+          <a:p>
+            <a:pPr algn="ctr"/>
+            <a:r>
+              <a:rPr lang="en-US" altLang="ja-JP" sz="1600" dirty="0"/>
+              <a:t>Inverter</a:t>
+            </a:r>
+            <a:r>
+              <a:rPr lang="ja-JP" altLang="en-US" sz="1600" dirty="0"/>
+              <a:t>回路</a:t>
+            </a:r>
+            <a:endParaRPr kumimoji="1" lang="en-US" altLang="ja-JP" sz="1600" dirty="0"/>
+          </a:p>
+          <a:p>
+            <a:pPr algn="ctr"/>
+            <a:r>
+              <a:rPr kumimoji="1" lang="en-US" altLang="ja-JP" sz="1600" dirty="0"/>
+              <a:t>matsumoto325</a:t>
+            </a:r>
+            <a:endParaRPr kumimoji="1" lang="ja-JP" altLang="en-US" sz="1600" dirty="0"/>
+          </a:p>
+        </p:txBody>
+      </p:sp>
+      <p:sp>
+        <p:nvSpPr>
+          <p:cNvPr id="18" name="吹き出し: 角を丸めた四角形 17">
+            <a:extLst>
+              <a:ext uri="{FF2B5EF4-FFF2-40B4-BE49-F238E27FC236}">
+                <a16:creationId xmlns:a16="http://schemas.microsoft.com/office/drawing/2014/main" id="{CFDEAAFD-3BF2-CCB9-9920-C014FD3EE3D8}"/>
+              </a:ext>
+            </a:extLst>
+          </p:cNvPr>
+          <p:cNvSpPr/>
+          <p:nvPr/>
+        </p:nvSpPr>
+        <p:spPr>
+          <a:xfrm>
+            <a:off x="6612576" y="3881487"/>
+            <a:ext cx="1264122" cy="592519"/>
+          </a:xfrm>
+          <a:prstGeom prst="wedgeRoundRectCallout">
+            <a:avLst>
+              <a:gd name="adj1" fmla="val 64822"/>
+              <a:gd name="adj2" fmla="val 77277"/>
+              <a:gd name="adj3" fmla="val 16667"/>
+            </a:avLst>
+          </a:prstGeom>
+        </p:spPr>
+        <p:style>
+          <a:lnRef idx="1">
+            <a:schemeClr val="accent6"/>
+          </a:lnRef>
+          <a:fillRef idx="2">
+            <a:schemeClr val="accent6"/>
+          </a:fillRef>
+          <a:effectRef idx="1">
+            <a:schemeClr val="accent6"/>
+          </a:effectRef>
+          <a:fontRef idx="minor">
+            <a:schemeClr val="dk1"/>
+          </a:fontRef>
+        </p:style>
+        <p:txBody>
+          <a:bodyPr rtlCol="0" anchor="ctr"/>
+          <a:lstStyle/>
+          <a:p>
+            <a:pPr algn="ctr"/>
+            <a:r>
+              <a:rPr kumimoji="1" lang="en-US" altLang="ja-JP" sz="1600" dirty="0"/>
+              <a:t>D</a:t>
+            </a:r>
+            <a:r>
+              <a:rPr kumimoji="1" lang="ja-JP" altLang="en-US" sz="1600" dirty="0"/>
+              <a:t>ラッチ</a:t>
+            </a:r>
+            <a:endParaRPr kumimoji="1" lang="en-US" altLang="ja-JP" sz="1600" dirty="0"/>
+          </a:p>
+          <a:p>
+            <a:pPr algn="ctr"/>
+            <a:r>
+              <a:rPr lang="en-US" altLang="ja-JP" sz="1600" dirty="0"/>
+              <a:t>dokunira</a:t>
+            </a:r>
+            <a:endParaRPr kumimoji="1" lang="ja-JP" altLang="en-US" sz="1600" dirty="0"/>
+          </a:p>
+        </p:txBody>
+      </p:sp>
+    </p:spTree>
+    <p:extLst>
+      <p:ext uri="{BB962C8B-B14F-4D97-AF65-F5344CB8AC3E}">
+        <p14:creationId xmlns:p14="http://schemas.microsoft.com/office/powerpoint/2010/main" val="1699135676"/>
+      </p:ext>
+    </p:extLst>
+  </p:cSld>
+  <p:clrMapOvr>
+    <a:masterClrMapping/>
+  </p:clrMapOvr>
+</p:sld>
+</file>
+
 <file path=ppt/theme/theme1.xml><?xml version="1.0" encoding="utf-8"?>
 <a:theme xmlns:a="http://schemas.openxmlformats.org/drawingml/2006/main" name="Office テーマ">
   <a:themeElements>
